--- a/Chap/Start/Presentations/SW-Intro.pptx
+++ b/Chap/Start/Presentations/SW-Intro.pptx
@@ -272,7 +272,7 @@
           <a:p>
             <a:fld id="{6285FD6E-8084-4FB8-B48F-0BFD4B18D345}" type="datetimeFigureOut">
               <a:rPr lang="da-DK" smtClean="0"/>
-              <a:t>19-08-2023</a:t>
+              <a:t>23-08-2024</a:t>
             </a:fld>
             <a:endParaRPr lang="da-DK"/>
           </a:p>
@@ -470,7 +470,7 @@
           <a:p>
             <a:fld id="{6285FD6E-8084-4FB8-B48F-0BFD4B18D345}" type="datetimeFigureOut">
               <a:rPr lang="da-DK" smtClean="0"/>
-              <a:t>19-08-2023</a:t>
+              <a:t>23-08-2024</a:t>
             </a:fld>
             <a:endParaRPr lang="da-DK"/>
           </a:p>
@@ -678,7 +678,7 @@
           <a:p>
             <a:fld id="{6285FD6E-8084-4FB8-B48F-0BFD4B18D345}" type="datetimeFigureOut">
               <a:rPr lang="da-DK" smtClean="0"/>
-              <a:t>19-08-2023</a:t>
+              <a:t>23-08-2024</a:t>
             </a:fld>
             <a:endParaRPr lang="da-DK"/>
           </a:p>
@@ -876,7 +876,7 @@
           <a:p>
             <a:fld id="{6285FD6E-8084-4FB8-B48F-0BFD4B18D345}" type="datetimeFigureOut">
               <a:rPr lang="da-DK" smtClean="0"/>
-              <a:t>19-08-2023</a:t>
+              <a:t>23-08-2024</a:t>
             </a:fld>
             <a:endParaRPr lang="da-DK"/>
           </a:p>
@@ -1151,7 +1151,7 @@
           <a:p>
             <a:fld id="{6285FD6E-8084-4FB8-B48F-0BFD4B18D345}" type="datetimeFigureOut">
               <a:rPr lang="da-DK" smtClean="0"/>
-              <a:t>19-08-2023</a:t>
+              <a:t>23-08-2024</a:t>
             </a:fld>
             <a:endParaRPr lang="da-DK"/>
           </a:p>
@@ -1416,7 +1416,7 @@
           <a:p>
             <a:fld id="{6285FD6E-8084-4FB8-B48F-0BFD4B18D345}" type="datetimeFigureOut">
               <a:rPr lang="da-DK" smtClean="0"/>
-              <a:t>19-08-2023</a:t>
+              <a:t>23-08-2024</a:t>
             </a:fld>
             <a:endParaRPr lang="da-DK"/>
           </a:p>
@@ -1828,7 +1828,7 @@
           <a:p>
             <a:fld id="{6285FD6E-8084-4FB8-B48F-0BFD4B18D345}" type="datetimeFigureOut">
               <a:rPr lang="da-DK" smtClean="0"/>
-              <a:t>19-08-2023</a:t>
+              <a:t>23-08-2024</a:t>
             </a:fld>
             <a:endParaRPr lang="da-DK"/>
           </a:p>
@@ -1969,7 +1969,7 @@
           <a:p>
             <a:fld id="{6285FD6E-8084-4FB8-B48F-0BFD4B18D345}" type="datetimeFigureOut">
               <a:rPr lang="da-DK" smtClean="0"/>
-              <a:t>19-08-2023</a:t>
+              <a:t>23-08-2024</a:t>
             </a:fld>
             <a:endParaRPr lang="da-DK"/>
           </a:p>
@@ -2082,7 +2082,7 @@
           <a:p>
             <a:fld id="{6285FD6E-8084-4FB8-B48F-0BFD4B18D345}" type="datetimeFigureOut">
               <a:rPr lang="da-DK" smtClean="0"/>
-              <a:t>19-08-2023</a:t>
+              <a:t>23-08-2024</a:t>
             </a:fld>
             <a:endParaRPr lang="da-DK"/>
           </a:p>
@@ -2393,7 +2393,7 @@
           <a:p>
             <a:fld id="{6285FD6E-8084-4FB8-B48F-0BFD4B18D345}" type="datetimeFigureOut">
               <a:rPr lang="da-DK" smtClean="0"/>
-              <a:t>19-08-2023</a:t>
+              <a:t>23-08-2024</a:t>
             </a:fld>
             <a:endParaRPr lang="da-DK"/>
           </a:p>
@@ -2681,7 +2681,7 @@
           <a:p>
             <a:fld id="{6285FD6E-8084-4FB8-B48F-0BFD4B18D345}" type="datetimeFigureOut">
               <a:rPr lang="da-DK" smtClean="0"/>
-              <a:t>19-08-2023</a:t>
+              <a:t>23-08-2024</a:t>
             </a:fld>
             <a:endParaRPr lang="da-DK"/>
           </a:p>
@@ -2922,7 +2922,7 @@
           <a:p>
             <a:fld id="{6285FD6E-8084-4FB8-B48F-0BFD4B18D345}" type="datetimeFigureOut">
               <a:rPr lang="da-DK" smtClean="0"/>
-              <a:t>19-08-2023</a:t>
+              <a:t>23-08-2024</a:t>
             </a:fld>
             <a:endParaRPr lang="da-DK"/>
           </a:p>
@@ -4636,15 +4636,11 @@
             </a:r>
             <a:r>
               <a:rPr lang="da-DK" sz="2200" dirty="0"/>
-              <a:t> to </a:t>
-            </a:r>
-            <a:r>
-              <a:rPr lang="da-DK" sz="2200" dirty="0" err="1"/>
-              <a:t>easily</a:t>
-            </a:r>
-            <a:r>
-              <a:rPr lang="da-DK" sz="2200" dirty="0"/>
               <a:t> </a:t>
+            </a:r>
+            <a:r>
+              <a:rPr lang="da-DK" sz="2200"/>
+              <a:t>to (fairly) easily </a:t>
             </a:r>
             <a:r>
               <a:rPr lang="da-DK" sz="2200" dirty="0" err="1"/>
@@ -6762,29 +6758,22 @@
           </a:p>
           <a:p>
             <a:r>
-              <a:rPr lang="da-DK" sz="2200" u="sng" dirty="0" err="1"/>
+              <a:rPr lang="da-DK" sz="2200" u="sng" err="1"/>
               <a:t>Many</a:t>
             </a:r>
             <a:r>
-              <a:rPr lang="da-DK" sz="2200" dirty="0"/>
-              <a:t> </a:t>
-            </a:r>
-            <a:r>
-              <a:rPr lang="da-DK" sz="2200" dirty="0" err="1"/>
-              <a:t>others</a:t>
-            </a:r>
-            <a:r>
-              <a:rPr lang="da-DK" sz="2200" dirty="0"/>
-              <a:t> </a:t>
-            </a:r>
-            <a:r>
-              <a:rPr lang="da-DK" sz="2200" dirty="0" err="1"/>
-              <a:t>exist</a:t>
-            </a:r>
-            <a:r>
-              <a:rPr lang="da-DK" sz="2200" dirty="0"/>
-              <a:t>!</a:t>
-            </a:r>
+              <a:rPr lang="da-DK" sz="2200"/>
+              <a:t> other programming languages exist, some similar to </a:t>
+            </a:r>
+            <a:r>
+              <a:rPr lang="da-DK" sz="2200" b="1"/>
+              <a:t>C#</a:t>
+            </a:r>
+            <a:r>
+              <a:rPr lang="da-DK" sz="2200"/>
+              <a:t>, some very different</a:t>
+            </a:r>
+            <a:endParaRPr lang="da-DK" sz="2200" dirty="0"/>
           </a:p>
           <a:p>
             <a:r>
@@ -6801,7 +6790,15 @@
             </a:r>
             <a:r>
               <a:rPr lang="da-DK" sz="2200" dirty="0"/>
-              <a:t> C# </a:t>
+              <a:t> </a:t>
+            </a:r>
+            <a:r>
+              <a:rPr lang="da-DK" sz="2200" b="1" dirty="0"/>
+              <a:t>C#</a:t>
+            </a:r>
+            <a:r>
+              <a:rPr lang="da-DK" sz="2200" dirty="0"/>
+              <a:t> </a:t>
             </a:r>
             <a:r>
               <a:rPr lang="da-DK" sz="2200" dirty="0" err="1"/>
@@ -6934,7 +6931,15 @@
             </a:r>
             <a:r>
               <a:rPr lang="da-DK" sz="2200" dirty="0"/>
-              <a:t>, designs, etc. to C# </a:t>
+              <a:t>, designs, etc. to </a:t>
+            </a:r>
+            <a:r>
+              <a:rPr lang="da-DK" sz="2200" b="1" dirty="0"/>
+              <a:t>C#</a:t>
+            </a:r>
+            <a:r>
+              <a:rPr lang="da-DK" sz="2200" dirty="0"/>
+              <a:t> </a:t>
             </a:r>
             <a:r>
               <a:rPr lang="da-DK" sz="2200" dirty="0" err="1"/>
@@ -11170,13 +11175,14 @@
               <a:t> for </a:t>
             </a:r>
             <a:r>
-              <a:rPr lang="da-DK" sz="2200" dirty="0" err="1"/>
+              <a:rPr lang="da-DK" sz="2200" err="1"/>
               <a:t>describing</a:t>
             </a:r>
             <a:r>
-              <a:rPr lang="da-DK" sz="2200" dirty="0"/>
-              <a:t> it?</a:t>
-            </a:r>
+              <a:rPr lang="da-DK" sz="2200"/>
+              <a:t> these rules and logic?</a:t>
+            </a:r>
+            <a:endParaRPr lang="da-DK" sz="2200" dirty="0"/>
           </a:p>
           <a:p>
             <a:r>
@@ -11670,11 +11676,18 @@
           <a:p>
             <a:pPr algn="ctr" eaLnBrk="1" hangingPunct="1"/>
             <a:r>
+              <a:rPr lang="da-DK" altLang="da-DK">
+                <a:latin typeface="Calibri" panose="020F0502020204030204" pitchFamily="34" charset="0"/>
+                <a:cs typeface="Calibri" panose="020F0502020204030204" pitchFamily="34" charset="0"/>
+              </a:rPr>
+              <a:t>(e.g. C</a:t>
+            </a:r>
+            <a:r>
               <a:rPr lang="da-DK" altLang="da-DK" dirty="0">
                 <a:latin typeface="Calibri" panose="020F0502020204030204" pitchFamily="34" charset="0"/>
                 <a:cs typeface="Calibri" panose="020F0502020204030204" pitchFamily="34" charset="0"/>
               </a:rPr>
-              <a:t>(C#)</a:t>
+              <a:t>#)</a:t>
             </a:r>
           </a:p>
         </p:txBody>
